--- a/Unit 5 Energy/Day05_ConservationOfEnergy/ConservationOfMechanicalEnergy.pptx
+++ b/Unit 5 Energy/Day05_ConservationOfEnergy/ConservationOfMechanicalEnergy.pptx
@@ -10,11 +10,12 @@
     <p:sldId id="258" r:id="rId4"/>
     <p:sldId id="259" r:id="rId5"/>
     <p:sldId id="260" r:id="rId6"/>
-    <p:sldId id="261" r:id="rId7"/>
-    <p:sldId id="263" r:id="rId8"/>
-    <p:sldId id="264" r:id="rId9"/>
-    <p:sldId id="265" r:id="rId10"/>
-    <p:sldId id="262" r:id="rId11"/>
+    <p:sldId id="266" r:id="rId7"/>
+    <p:sldId id="261" r:id="rId8"/>
+    <p:sldId id="263" r:id="rId9"/>
+    <p:sldId id="264" r:id="rId10"/>
+    <p:sldId id="265" r:id="rId11"/>
+    <p:sldId id="262" r:id="rId12"/>
   </p:sldIdLst>
   <p:sldSz cx="9144000" cy="6858000" type="screen4x3"/>
   <p:notesSz cx="6858000" cy="9144000"/>
@@ -314,7 +315,7 @@
             <a:fld id="{1D8BD707-D9CF-40AE-B4C6-C98DA3205C09}" type="datetimeFigureOut">
               <a:rPr lang="en-US" smtClean="0"/>
               <a:pPr/>
-              <a:t>5/28/2019</a:t>
+              <a:t>12/18/2019</a:t>
             </a:fld>
             <a:endParaRPr lang="en-US"/>
           </a:p>
@@ -481,7 +482,7 @@
             <a:fld id="{1D8BD707-D9CF-40AE-B4C6-C98DA3205C09}" type="datetimeFigureOut">
               <a:rPr lang="en-US" smtClean="0"/>
               <a:pPr/>
-              <a:t>5/28/2019</a:t>
+              <a:t>12/18/2019</a:t>
             </a:fld>
             <a:endParaRPr lang="en-US"/>
           </a:p>
@@ -658,7 +659,7 @@
             <a:fld id="{1D8BD707-D9CF-40AE-B4C6-C98DA3205C09}" type="datetimeFigureOut">
               <a:rPr lang="en-US" smtClean="0"/>
               <a:pPr/>
-              <a:t>5/28/2019</a:t>
+              <a:t>12/18/2019</a:t>
             </a:fld>
             <a:endParaRPr lang="en-US"/>
           </a:p>
@@ -825,7 +826,7 @@
             <a:fld id="{1D8BD707-D9CF-40AE-B4C6-C98DA3205C09}" type="datetimeFigureOut">
               <a:rPr lang="en-US" smtClean="0"/>
               <a:pPr/>
-              <a:t>5/28/2019</a:t>
+              <a:t>12/18/2019</a:t>
             </a:fld>
             <a:endParaRPr lang="en-US"/>
           </a:p>
@@ -1068,7 +1069,7 @@
             <a:fld id="{1D8BD707-D9CF-40AE-B4C6-C98DA3205C09}" type="datetimeFigureOut">
               <a:rPr lang="en-US" smtClean="0"/>
               <a:pPr/>
-              <a:t>5/28/2019</a:t>
+              <a:t>12/18/2019</a:t>
             </a:fld>
             <a:endParaRPr lang="en-US"/>
           </a:p>
@@ -1353,7 +1354,7 @@
             <a:fld id="{1D8BD707-D9CF-40AE-B4C6-C98DA3205C09}" type="datetimeFigureOut">
               <a:rPr lang="en-US" smtClean="0"/>
               <a:pPr/>
-              <a:t>5/28/2019</a:t>
+              <a:t>12/18/2019</a:t>
             </a:fld>
             <a:endParaRPr lang="en-US"/>
           </a:p>
@@ -1772,7 +1773,7 @@
             <a:fld id="{1D8BD707-D9CF-40AE-B4C6-C98DA3205C09}" type="datetimeFigureOut">
               <a:rPr lang="en-US" smtClean="0"/>
               <a:pPr/>
-              <a:t>5/28/2019</a:t>
+              <a:t>12/18/2019</a:t>
             </a:fld>
             <a:endParaRPr lang="en-US"/>
           </a:p>
@@ -1887,7 +1888,7 @@
             <a:fld id="{1D8BD707-D9CF-40AE-B4C6-C98DA3205C09}" type="datetimeFigureOut">
               <a:rPr lang="en-US" smtClean="0"/>
               <a:pPr/>
-              <a:t>5/28/2019</a:t>
+              <a:t>12/18/2019</a:t>
             </a:fld>
             <a:endParaRPr lang="en-US"/>
           </a:p>
@@ -1979,7 +1980,7 @@
             <a:fld id="{1D8BD707-D9CF-40AE-B4C6-C98DA3205C09}" type="datetimeFigureOut">
               <a:rPr lang="en-US" smtClean="0"/>
               <a:pPr/>
-              <a:t>5/28/2019</a:t>
+              <a:t>12/18/2019</a:t>
             </a:fld>
             <a:endParaRPr lang="en-US"/>
           </a:p>
@@ -2253,7 +2254,7 @@
             <a:fld id="{1D8BD707-D9CF-40AE-B4C6-C98DA3205C09}" type="datetimeFigureOut">
               <a:rPr lang="en-US" smtClean="0"/>
               <a:pPr/>
-              <a:t>5/28/2019</a:t>
+              <a:t>12/18/2019</a:t>
             </a:fld>
             <a:endParaRPr lang="en-US"/>
           </a:p>
@@ -2503,7 +2504,7 @@
             <a:fld id="{1D8BD707-D9CF-40AE-B4C6-C98DA3205C09}" type="datetimeFigureOut">
               <a:rPr lang="en-US" smtClean="0"/>
               <a:pPr/>
-              <a:t>5/28/2019</a:t>
+              <a:t>12/18/2019</a:t>
             </a:fld>
             <a:endParaRPr lang="en-US"/>
           </a:p>
@@ -2713,7 +2714,7 @@
             <a:fld id="{1D8BD707-D9CF-40AE-B4C6-C98DA3205C09}" type="datetimeFigureOut">
               <a:rPr lang="en-US" smtClean="0"/>
               <a:pPr/>
-              <a:t>5/28/2019</a:t>
+              <a:t>12/18/2019</a:t>
             </a:fld>
             <a:endParaRPr lang="en-US"/>
           </a:p>
@@ -3175,6 +3176,642 @@
 </file>
 
 <file path=ppt/slides/slide10.xml><?xml version="1.0" encoding="utf-8"?>
+<p:sld xmlns:a="http://schemas.openxmlformats.org/drawingml/2006/main" xmlns:r="http://schemas.openxmlformats.org/officeDocument/2006/relationships" xmlns:p="http://schemas.openxmlformats.org/presentationml/2006/main">
+  <p:cSld>
+    <p:spTree>
+      <p:nvGrpSpPr>
+        <p:cNvPr id="1" name=""/>
+        <p:cNvGrpSpPr/>
+        <p:nvPr/>
+      </p:nvGrpSpPr>
+      <p:grpSpPr>
+        <a:xfrm>
+          <a:off x="0" y="0"/>
+          <a:ext cx="0" cy="0"/>
+          <a:chOff x="0" y="0"/>
+          <a:chExt cx="0" cy="0"/>
+        </a:xfrm>
+      </p:grpSpPr>
+      <p:sp>
+        <p:nvSpPr>
+          <p:cNvPr id="4" name="Title 3"/>
+          <p:cNvSpPr>
+            <a:spLocks noGrp="1"/>
+          </p:cNvSpPr>
+          <p:nvPr>
+            <p:ph type="title"/>
+          </p:nvPr>
+        </p:nvSpPr>
+        <p:spPr/>
+        <p:txBody>
+          <a:bodyPr/>
+          <a:lstStyle/>
+          <a:p>
+            <a:r>
+              <a:rPr lang="en-CA" dirty="0"/>
+              <a:t>Conservation Sample </a:t>
+            </a:r>
+            <a:r>
+              <a:rPr lang="en-CA" dirty="0" smtClean="0"/>
+              <a:t>#2</a:t>
+            </a:r>
+            <a:endParaRPr lang="en-US" dirty="0"/>
+          </a:p>
+        </p:txBody>
+      </p:sp>
+      <p:sp>
+        <p:nvSpPr>
+          <p:cNvPr id="5" name="Content Placeholder 4"/>
+          <p:cNvSpPr>
+            <a:spLocks noGrp="1"/>
+          </p:cNvSpPr>
+          <p:nvPr>
+            <p:ph idx="1"/>
+          </p:nvPr>
+        </p:nvSpPr>
+        <p:spPr>
+          <a:xfrm>
+            <a:off x="628650" y="1536376"/>
+            <a:ext cx="7886700" cy="1990595"/>
+          </a:xfrm>
+        </p:spPr>
+        <p:txBody>
+          <a:bodyPr>
+            <a:noAutofit/>
+          </a:bodyPr>
+          <a:lstStyle/>
+          <a:p>
+            <a:pPr marL="0" indent="0">
+              <a:buNone/>
+            </a:pPr>
+            <a:r>
+              <a:rPr lang="en-US" sz="1600" dirty="0">
+                <a:latin typeface="Calibri" panose="020F0502020204030204" pitchFamily="34" charset="0"/>
+                <a:cs typeface="Calibri" panose="020F0502020204030204" pitchFamily="34" charset="0"/>
+              </a:rPr>
+              <a:t>Problem:  A 0.550 kg ball is thrown down from a cliff 30.0 m high with a speed of 5.00 m/s.  Assume air resistance is </a:t>
+            </a:r>
+            <a:r>
+              <a:rPr lang="en-US" sz="1600" dirty="0" smtClean="0">
+                <a:latin typeface="Calibri" panose="020F0502020204030204" pitchFamily="34" charset="0"/>
+                <a:cs typeface="Calibri" panose="020F0502020204030204" pitchFamily="34" charset="0"/>
+              </a:rPr>
+              <a:t>negligible.</a:t>
+            </a:r>
+          </a:p>
+          <a:p>
+            <a:pPr lvl="1" indent="-342900">
+              <a:buFont typeface="+mj-lt"/>
+              <a:buAutoNum type="alphaLcParenR"/>
+            </a:pPr>
+            <a:r>
+              <a:rPr lang="en-US" sz="1600" dirty="0" smtClean="0">
+                <a:latin typeface="Calibri" panose="020F0502020204030204" pitchFamily="34" charset="0"/>
+                <a:cs typeface="Calibri" panose="020F0502020204030204" pitchFamily="34" charset="0"/>
+              </a:rPr>
+              <a:t>The </a:t>
+            </a:r>
+            <a:r>
+              <a:rPr lang="en-US" sz="1600" dirty="0">
+                <a:latin typeface="Calibri" panose="020F0502020204030204" pitchFamily="34" charset="0"/>
+                <a:cs typeface="Calibri" panose="020F0502020204030204" pitchFamily="34" charset="0"/>
+              </a:rPr>
+              <a:t>ball’s initial kinetic, gravitational potential and </a:t>
+            </a:r>
+            <a:r>
+              <a:rPr lang="en-US" sz="1600" dirty="0" smtClean="0">
+                <a:latin typeface="Calibri" panose="020F0502020204030204" pitchFamily="34" charset="0"/>
+                <a:cs typeface="Calibri" panose="020F0502020204030204" pitchFamily="34" charset="0"/>
+              </a:rPr>
+              <a:t>total mechanical energy.</a:t>
+            </a:r>
+          </a:p>
+          <a:p>
+            <a:pPr lvl="1" indent="-342900">
+              <a:buFont typeface="+mj-lt"/>
+              <a:buAutoNum type="alphaLcParenR"/>
+            </a:pPr>
+            <a:r>
+              <a:rPr lang="en-US" sz="1600" dirty="0" smtClean="0">
+                <a:latin typeface="Calibri" panose="020F0502020204030204" pitchFamily="34" charset="0"/>
+                <a:cs typeface="Calibri" panose="020F0502020204030204" pitchFamily="34" charset="0"/>
+              </a:rPr>
+              <a:t>Find </a:t>
+            </a:r>
+            <a:r>
+              <a:rPr lang="en-US" sz="1600" dirty="0">
+                <a:latin typeface="Calibri" panose="020F0502020204030204" pitchFamily="34" charset="0"/>
+                <a:cs typeface="Calibri" panose="020F0502020204030204" pitchFamily="34" charset="0"/>
+              </a:rPr>
+              <a:t>the ball’s potential energy at a height of 10.0 m </a:t>
+            </a:r>
+            <a:r>
+              <a:rPr lang="en-US" sz="1600" dirty="0" smtClean="0">
+                <a:latin typeface="Calibri" panose="020F0502020204030204" pitchFamily="34" charset="0"/>
+                <a:cs typeface="Calibri" panose="020F0502020204030204" pitchFamily="34" charset="0"/>
+              </a:rPr>
+              <a:t>above </a:t>
+            </a:r>
+            <a:r>
+              <a:rPr lang="en-US" sz="1600" dirty="0">
+                <a:latin typeface="Calibri" panose="020F0502020204030204" pitchFamily="34" charset="0"/>
+                <a:cs typeface="Calibri" panose="020F0502020204030204" pitchFamily="34" charset="0"/>
+              </a:rPr>
+              <a:t>the ground and it’s kinetic energy at that </a:t>
+            </a:r>
+            <a:r>
+              <a:rPr lang="en-US" sz="1600" dirty="0" smtClean="0">
+                <a:latin typeface="Calibri" panose="020F0502020204030204" pitchFamily="34" charset="0"/>
+                <a:cs typeface="Calibri" panose="020F0502020204030204" pitchFamily="34" charset="0"/>
+              </a:rPr>
+              <a:t>height.</a:t>
+            </a:r>
+          </a:p>
+          <a:p>
+            <a:pPr lvl="1" indent="-342900">
+              <a:buFont typeface="+mj-lt"/>
+              <a:buAutoNum type="alphaLcParenR"/>
+            </a:pPr>
+            <a:r>
+              <a:rPr lang="en-US" sz="1600" dirty="0" smtClean="0">
+                <a:latin typeface="Calibri" panose="020F0502020204030204" pitchFamily="34" charset="0"/>
+                <a:cs typeface="Calibri" panose="020F0502020204030204" pitchFamily="34" charset="0"/>
+              </a:rPr>
+              <a:t>Find </a:t>
+            </a:r>
+            <a:r>
+              <a:rPr lang="en-US" sz="1600" dirty="0">
+                <a:latin typeface="Calibri" panose="020F0502020204030204" pitchFamily="34" charset="0"/>
+                <a:cs typeface="Calibri" panose="020F0502020204030204" pitchFamily="34" charset="0"/>
+              </a:rPr>
+              <a:t>the ball’s speed just before it hits the ground. </a:t>
+            </a:r>
+          </a:p>
+        </p:txBody>
+      </p:sp>
+      <p:graphicFrame>
+        <p:nvGraphicFramePr>
+          <p:cNvPr id="6" name="Table 5"/>
+          <p:cNvGraphicFramePr>
+            <a:graphicFrameLocks noGrp="1"/>
+          </p:cNvGraphicFramePr>
+          <p:nvPr>
+            <p:extLst/>
+          </p:nvPr>
+        </p:nvGraphicFramePr>
+        <p:xfrm>
+          <a:off x="942000" y="3673670"/>
+          <a:ext cx="7573350" cy="2607832"/>
+        </p:xfrm>
+        <a:graphic>
+          <a:graphicData uri="http://schemas.openxmlformats.org/drawingml/2006/table">
+            <a:tbl>
+              <a:tblPr firstRow="1" bandRow="1">
+                <a:tableStyleId>{5940675A-B579-460E-94D1-54222C63F5DA}</a:tableStyleId>
+              </a:tblPr>
+              <a:tblGrid>
+                <a:gridCol w="1060584">
+                  <a:extLst>
+                    <a:ext uri="{9D8B030D-6E8A-4147-A177-3AD203B41FA5}">
+                      <a16:colId xmlns:a16="http://schemas.microsoft.com/office/drawing/2014/main" xmlns="" val="20000"/>
+                    </a:ext>
+                  </a:extLst>
+                </a:gridCol>
+                <a:gridCol w="1463866">
+                  <a:extLst>
+                    <a:ext uri="{9D8B030D-6E8A-4147-A177-3AD203B41FA5}">
+                      <a16:colId xmlns:a16="http://schemas.microsoft.com/office/drawing/2014/main" xmlns="" val="20001"/>
+                    </a:ext>
+                  </a:extLst>
+                </a:gridCol>
+                <a:gridCol w="1262225">
+                  <a:extLst>
+                    <a:ext uri="{9D8B030D-6E8A-4147-A177-3AD203B41FA5}">
+                      <a16:colId xmlns:a16="http://schemas.microsoft.com/office/drawing/2014/main" xmlns="" val="20002"/>
+                    </a:ext>
+                  </a:extLst>
+                </a:gridCol>
+                <a:gridCol w="1262225">
+                  <a:extLst>
+                    <a:ext uri="{9D8B030D-6E8A-4147-A177-3AD203B41FA5}">
+                      <a16:colId xmlns:a16="http://schemas.microsoft.com/office/drawing/2014/main" xmlns="" val="20003"/>
+                    </a:ext>
+                  </a:extLst>
+                </a:gridCol>
+                <a:gridCol w="1262225">
+                  <a:extLst>
+                    <a:ext uri="{9D8B030D-6E8A-4147-A177-3AD203B41FA5}">
+                      <a16:colId xmlns:a16="http://schemas.microsoft.com/office/drawing/2014/main" xmlns="" val="20004"/>
+                    </a:ext>
+                  </a:extLst>
+                </a:gridCol>
+                <a:gridCol w="1262225">
+                  <a:extLst>
+                    <a:ext uri="{9D8B030D-6E8A-4147-A177-3AD203B41FA5}">
+                      <a16:colId xmlns:a16="http://schemas.microsoft.com/office/drawing/2014/main" xmlns="" val="20005"/>
+                    </a:ext>
+                  </a:extLst>
+                </a:gridCol>
+              </a:tblGrid>
+              <a:tr h="515775">
+                <a:tc>
+                  <a:txBody>
+                    <a:bodyPr/>
+                    <a:lstStyle/>
+                    <a:p>
+                      <a:pPr algn="ctr"/>
+                      <a:r>
+                        <a:rPr lang="en-CA" sz="1400" b="1" dirty="0" smtClean="0"/>
+                        <a:t>Position</a:t>
+                      </a:r>
+                      <a:endParaRPr lang="en-US" sz="1400" b="1" dirty="0"/>
+                    </a:p>
+                  </a:txBody>
+                  <a:tcPr/>
+                </a:tc>
+                <a:tc>
+                  <a:txBody>
+                    <a:bodyPr/>
+                    <a:lstStyle/>
+                    <a:p>
+                      <a:pPr algn="ctr"/>
+                      <a:r>
+                        <a:rPr lang="en-CA" sz="1400" b="1" dirty="0" smtClean="0"/>
+                        <a:t>H - Height</a:t>
+                      </a:r>
+                      <a:endParaRPr lang="en-US" sz="1400" b="1" dirty="0"/>
+                    </a:p>
+                  </a:txBody>
+                  <a:tcPr/>
+                </a:tc>
+                <a:tc>
+                  <a:txBody>
+                    <a:bodyPr/>
+                    <a:lstStyle/>
+                    <a:p>
+                      <a:pPr algn="ctr"/>
+                      <a:r>
+                        <a:rPr lang="en-CA" sz="1400" b="1" dirty="0" smtClean="0"/>
+                        <a:t>E</a:t>
+                      </a:r>
+                      <a:r>
+                        <a:rPr lang="en-CA" sz="1400" b="1" baseline="-25000" dirty="0" smtClean="0"/>
+                        <a:t>G</a:t>
+                      </a:r>
+                    </a:p>
+                    <a:p>
+                      <a:pPr algn="ctr"/>
+                      <a:r>
+                        <a:rPr lang="en-CA" sz="1400" b="1" dirty="0" smtClean="0"/>
+                        <a:t>(</a:t>
+                      </a:r>
+                      <a:r>
+                        <a:rPr lang="en-CA" sz="1400" b="1" dirty="0" err="1" smtClean="0"/>
+                        <a:t>mgh</a:t>
+                      </a:r>
+                      <a:r>
+                        <a:rPr lang="en-CA" sz="1400" b="1" dirty="0" smtClean="0"/>
+                        <a:t>)</a:t>
+                      </a:r>
+                      <a:endParaRPr lang="en-US" sz="1400" b="1" dirty="0"/>
+                    </a:p>
+                  </a:txBody>
+                  <a:tcPr/>
+                </a:tc>
+                <a:tc>
+                  <a:txBody>
+                    <a:bodyPr/>
+                    <a:lstStyle/>
+                    <a:p>
+                      <a:pPr algn="ctr"/>
+                      <a:r>
+                        <a:rPr lang="en-CA" sz="1400" b="1" dirty="0" smtClean="0"/>
+                        <a:t>V - Speed</a:t>
+                      </a:r>
+                      <a:endParaRPr lang="en-US" sz="1400" b="1" dirty="0"/>
+                    </a:p>
+                  </a:txBody>
+                  <a:tcPr/>
+                </a:tc>
+                <a:tc>
+                  <a:txBody>
+                    <a:bodyPr/>
+                    <a:lstStyle/>
+                    <a:p>
+                      <a:pPr algn="ctr"/>
+                      <a:r>
+                        <a:rPr lang="en-CA" sz="1400" b="1" dirty="0" smtClean="0"/>
+                        <a:t>E</a:t>
+                      </a:r>
+                      <a:r>
+                        <a:rPr lang="en-CA" sz="1400" b="1" baseline="-25000" dirty="0" smtClean="0"/>
+                        <a:t>K</a:t>
+                      </a:r>
+                    </a:p>
+                    <a:p>
+                      <a:pPr algn="ctr"/>
+                      <a:r>
+                        <a:rPr lang="en-CA" sz="1400" b="1" dirty="0" smtClean="0"/>
+                        <a:t>(1/2mv</a:t>
+                      </a:r>
+                      <a:r>
+                        <a:rPr lang="en-CA" sz="1400" b="1" baseline="30000" dirty="0" smtClean="0"/>
+                        <a:t>2</a:t>
+                      </a:r>
+                      <a:r>
+                        <a:rPr lang="en-CA" sz="1400" b="1" dirty="0" smtClean="0"/>
+                        <a:t>)</a:t>
+                      </a:r>
+                      <a:endParaRPr lang="en-US" sz="1400" b="1" dirty="0"/>
+                    </a:p>
+                  </a:txBody>
+                  <a:tcPr/>
+                </a:tc>
+                <a:tc>
+                  <a:txBody>
+                    <a:bodyPr/>
+                    <a:lstStyle/>
+                    <a:p>
+                      <a:pPr algn="ctr"/>
+                      <a:r>
+                        <a:rPr lang="en-CA" sz="1400" b="1" dirty="0" smtClean="0"/>
+                        <a:t>E</a:t>
+                      </a:r>
+                      <a:r>
+                        <a:rPr lang="en-CA" sz="1400" b="1" baseline="-25000" dirty="0" smtClean="0"/>
+                        <a:t>T </a:t>
+                      </a:r>
+                      <a:r>
+                        <a:rPr lang="en-CA" sz="1400" b="1" dirty="0" smtClean="0"/>
+                        <a:t/>
+                      </a:r>
+                      <a:br>
+                        <a:rPr lang="en-CA" sz="1400" b="1" dirty="0" smtClean="0"/>
+                      </a:br>
+                      <a:r>
+                        <a:rPr lang="en-CA" sz="1400" b="1" dirty="0" smtClean="0"/>
+                        <a:t>(Total Energy)</a:t>
+                      </a:r>
+                      <a:endParaRPr lang="en-US" sz="1400" b="1" dirty="0"/>
+                    </a:p>
+                  </a:txBody>
+                  <a:tcPr/>
+                </a:tc>
+                <a:extLst>
+                  <a:ext uri="{0D108BD9-81ED-4DB2-BD59-A6C34878D82A}">
+                    <a16:rowId xmlns:a16="http://schemas.microsoft.com/office/drawing/2014/main" xmlns="" val="10000"/>
+                  </a:ext>
+                </a:extLst>
+              </a:tr>
+              <a:tr h="678750">
+                <a:tc>
+                  <a:txBody>
+                    <a:bodyPr/>
+                    <a:lstStyle/>
+                    <a:p>
+                      <a:pPr algn="ctr"/>
+                      <a:r>
+                        <a:rPr lang="en-CA" sz="1400" dirty="0" smtClean="0"/>
+                        <a:t>Top</a:t>
+                      </a:r>
+                      <a:endParaRPr lang="en-US" sz="1400" dirty="0"/>
+                    </a:p>
+                  </a:txBody>
+                  <a:tcPr/>
+                </a:tc>
+                <a:tc>
+                  <a:txBody>
+                    <a:bodyPr/>
+                    <a:lstStyle/>
+                    <a:p>
+                      <a:pPr algn="ctr"/>
+                      <a:endParaRPr lang="en-US" sz="1400" dirty="0"/>
+                    </a:p>
+                  </a:txBody>
+                  <a:tcPr/>
+                </a:tc>
+                <a:tc>
+                  <a:txBody>
+                    <a:bodyPr/>
+                    <a:lstStyle/>
+                    <a:p>
+                      <a:pPr algn="ctr"/>
+                      <a:endParaRPr lang="en-US" sz="1400" dirty="0"/>
+                    </a:p>
+                  </a:txBody>
+                  <a:tcPr/>
+                </a:tc>
+                <a:tc>
+                  <a:txBody>
+                    <a:bodyPr/>
+                    <a:lstStyle/>
+                    <a:p>
+                      <a:pPr algn="ctr"/>
+                      <a:endParaRPr lang="en-US" sz="1400" dirty="0"/>
+                    </a:p>
+                  </a:txBody>
+                  <a:tcPr/>
+                </a:tc>
+                <a:tc>
+                  <a:txBody>
+                    <a:bodyPr/>
+                    <a:lstStyle/>
+                    <a:p>
+                      <a:pPr algn="ctr"/>
+                      <a:endParaRPr lang="en-US" sz="1400" dirty="0"/>
+                    </a:p>
+                  </a:txBody>
+                  <a:tcPr/>
+                </a:tc>
+                <a:tc>
+                  <a:txBody>
+                    <a:bodyPr/>
+                    <a:lstStyle/>
+                    <a:p>
+                      <a:pPr algn="ctr"/>
+                      <a:endParaRPr lang="en-US" sz="1400" dirty="0"/>
+                    </a:p>
+                  </a:txBody>
+                  <a:tcPr/>
+                </a:tc>
+                <a:extLst>
+                  <a:ext uri="{0D108BD9-81ED-4DB2-BD59-A6C34878D82A}">
+                    <a16:rowId xmlns:a16="http://schemas.microsoft.com/office/drawing/2014/main" xmlns="" val="10001"/>
+                  </a:ext>
+                </a:extLst>
+              </a:tr>
+              <a:tr h="705461">
+                <a:tc>
+                  <a:txBody>
+                    <a:bodyPr/>
+                    <a:lstStyle/>
+                    <a:p>
+                      <a:pPr algn="ctr"/>
+                      <a:r>
+                        <a:rPr lang="en-CA" sz="1400" dirty="0" smtClean="0"/>
+                        <a:t>Middle</a:t>
+                      </a:r>
+                      <a:endParaRPr lang="en-US" sz="1400" dirty="0"/>
+                    </a:p>
+                  </a:txBody>
+                  <a:tcPr/>
+                </a:tc>
+                <a:tc>
+                  <a:txBody>
+                    <a:bodyPr/>
+                    <a:lstStyle/>
+                    <a:p>
+                      <a:pPr algn="ctr"/>
+                      <a:endParaRPr lang="en-US" sz="1400"/>
+                    </a:p>
+                  </a:txBody>
+                  <a:tcPr/>
+                </a:tc>
+                <a:tc>
+                  <a:txBody>
+                    <a:bodyPr/>
+                    <a:lstStyle/>
+                    <a:p>
+                      <a:pPr algn="ctr"/>
+                      <a:endParaRPr lang="en-US" sz="1400"/>
+                    </a:p>
+                  </a:txBody>
+                  <a:tcPr/>
+                </a:tc>
+                <a:tc>
+                  <a:txBody>
+                    <a:bodyPr/>
+                    <a:lstStyle/>
+                    <a:p>
+                      <a:pPr algn="ctr"/>
+                      <a:endParaRPr lang="en-US" sz="1400" dirty="0"/>
+                    </a:p>
+                  </a:txBody>
+                  <a:tcPr/>
+                </a:tc>
+                <a:tc>
+                  <a:txBody>
+                    <a:bodyPr/>
+                    <a:lstStyle/>
+                    <a:p>
+                      <a:pPr algn="ctr"/>
+                      <a:endParaRPr lang="en-US" sz="1400" dirty="0"/>
+                    </a:p>
+                  </a:txBody>
+                  <a:tcPr/>
+                </a:tc>
+                <a:tc>
+                  <a:txBody>
+                    <a:bodyPr/>
+                    <a:lstStyle/>
+                    <a:p>
+                      <a:pPr algn="ctr"/>
+                      <a:endParaRPr lang="en-US" sz="1400" dirty="0"/>
+                    </a:p>
+                  </a:txBody>
+                  <a:tcPr/>
+                </a:tc>
+                <a:extLst>
+                  <a:ext uri="{0D108BD9-81ED-4DB2-BD59-A6C34878D82A}">
+                    <a16:rowId xmlns:a16="http://schemas.microsoft.com/office/drawing/2014/main" xmlns="" val="10002"/>
+                  </a:ext>
+                </a:extLst>
+              </a:tr>
+              <a:tr h="705461">
+                <a:tc>
+                  <a:txBody>
+                    <a:bodyPr/>
+                    <a:lstStyle/>
+                    <a:p>
+                      <a:pPr algn="ctr"/>
+                      <a:r>
+                        <a:rPr lang="en-CA" sz="1400" dirty="0" smtClean="0"/>
+                        <a:t>Bottom</a:t>
+                      </a:r>
+                      <a:endParaRPr lang="en-US" sz="1400" dirty="0"/>
+                    </a:p>
+                  </a:txBody>
+                  <a:tcPr/>
+                </a:tc>
+                <a:tc>
+                  <a:txBody>
+                    <a:bodyPr/>
+                    <a:lstStyle/>
+                    <a:p>
+                      <a:pPr algn="ctr"/>
+                      <a:endParaRPr lang="en-US" sz="1400"/>
+                    </a:p>
+                  </a:txBody>
+                  <a:tcPr/>
+                </a:tc>
+                <a:tc>
+                  <a:txBody>
+                    <a:bodyPr/>
+                    <a:lstStyle/>
+                    <a:p>
+                      <a:pPr algn="ctr"/>
+                      <a:endParaRPr lang="en-US" sz="1400"/>
+                    </a:p>
+                  </a:txBody>
+                  <a:tcPr/>
+                </a:tc>
+                <a:tc>
+                  <a:txBody>
+                    <a:bodyPr/>
+                    <a:lstStyle/>
+                    <a:p>
+                      <a:pPr algn="ctr"/>
+                      <a:endParaRPr lang="en-US" sz="1400" dirty="0"/>
+                    </a:p>
+                  </a:txBody>
+                  <a:tcPr/>
+                </a:tc>
+                <a:tc>
+                  <a:txBody>
+                    <a:bodyPr/>
+                    <a:lstStyle/>
+                    <a:p>
+                      <a:pPr algn="ctr"/>
+                      <a:endParaRPr lang="en-US" sz="1400" dirty="0"/>
+                    </a:p>
+                  </a:txBody>
+                  <a:tcPr/>
+                </a:tc>
+                <a:tc>
+                  <a:txBody>
+                    <a:bodyPr/>
+                    <a:lstStyle/>
+                    <a:p>
+                      <a:pPr algn="ctr"/>
+                      <a:endParaRPr lang="en-US" sz="1400" dirty="0"/>
+                    </a:p>
+                  </a:txBody>
+                  <a:tcPr/>
+                </a:tc>
+                <a:extLst>
+                  <a:ext uri="{0D108BD9-81ED-4DB2-BD59-A6C34878D82A}">
+                    <a16:rowId xmlns:a16="http://schemas.microsoft.com/office/drawing/2014/main" xmlns="" val="10003"/>
+                  </a:ext>
+                </a:extLst>
+              </a:tr>
+            </a:tbl>
+          </a:graphicData>
+        </a:graphic>
+      </p:graphicFrame>
+    </p:spTree>
+    <p:extLst>
+      <p:ext uri="{BB962C8B-B14F-4D97-AF65-F5344CB8AC3E}">
+        <p14:creationId xmlns:p14="http://schemas.microsoft.com/office/powerpoint/2010/main" val="3146221149"/>
+      </p:ext>
+    </p:extLst>
+  </p:cSld>
+  <p:clrMapOvr>
+    <a:masterClrMapping/>
+  </p:clrMapOvr>
+</p:sld>
+</file>
+
+<file path=ppt/slides/slide11.xml><?xml version="1.0" encoding="utf-8"?>
 <p:sld xmlns:a="http://schemas.openxmlformats.org/drawingml/2006/main" xmlns:r="http://schemas.openxmlformats.org/officeDocument/2006/relationships" xmlns:p="http://schemas.openxmlformats.org/presentationml/2006/main">
   <p:cSld>
     <p:spTree>
@@ -5412,6 +6049,14 @@
             <a:pPr>
               <a:buNone/>
             </a:pPr>
+            <a:endParaRPr lang="en-US" sz="4800" baseline="-25000" dirty="0" smtClean="0">
+              <a:latin typeface="Comic Sans MS" pitchFamily="66" charset="0"/>
+            </a:endParaRPr>
+          </a:p>
+          <a:p>
+            <a:pPr>
+              <a:buNone/>
+            </a:pPr>
             <a:r>
               <a:rPr lang="en-US" sz="4800" dirty="0" smtClean="0">
                 <a:latin typeface="Comic Sans MS" pitchFamily="66" charset="0"/>
@@ -5428,13 +6073,7 @@
               <a:rPr lang="en-US" sz="4800" dirty="0" smtClean="0">
                 <a:latin typeface="Comic Sans MS" pitchFamily="66" charset="0"/>
               </a:rPr>
-              <a:t>  + E</a:t>
-            </a:r>
-            <a:r>
-              <a:rPr lang="en-US" sz="4800" baseline="-25000" dirty="0" smtClean="0">
-                <a:latin typeface="Comic Sans MS" pitchFamily="66" charset="0"/>
-              </a:rPr>
-              <a:t>k1= </a:t>
+              <a:t>  + </a:t>
             </a:r>
             <a:r>
               <a:rPr lang="en-US" sz="4800" dirty="0" smtClean="0">
@@ -5446,13 +6085,43 @@
               <a:rPr lang="en-US" sz="4800" baseline="-25000" dirty="0" smtClean="0">
                 <a:latin typeface="Comic Sans MS" pitchFamily="66" charset="0"/>
               </a:rPr>
-              <a:t>g2</a:t>
+              <a:t>k1  </a:t>
             </a:r>
             <a:r>
               <a:rPr lang="en-US" sz="4800" dirty="0" smtClean="0">
                 <a:latin typeface="Comic Sans MS" pitchFamily="66" charset="0"/>
               </a:rPr>
-              <a:t>  + E</a:t>
+              <a:t>=</a:t>
+            </a:r>
+            <a:r>
+              <a:rPr lang="en-US" sz="4800" baseline="-25000" dirty="0" smtClean="0">
+                <a:latin typeface="Comic Sans MS" pitchFamily="66" charset="0"/>
+              </a:rPr>
+              <a:t>   </a:t>
+            </a:r>
+            <a:r>
+              <a:rPr lang="en-US" sz="4800" dirty="0" smtClean="0">
+                <a:latin typeface="Comic Sans MS" pitchFamily="66" charset="0"/>
+              </a:rPr>
+              <a:t>E</a:t>
+            </a:r>
+            <a:r>
+              <a:rPr lang="en-US" sz="4800" baseline="-25000" dirty="0" smtClean="0">
+                <a:latin typeface="Comic Sans MS" pitchFamily="66" charset="0"/>
+              </a:rPr>
+              <a:t>g2</a:t>
+            </a:r>
+            <a:r>
+              <a:rPr lang="en-US" sz="4800" dirty="0" smtClean="0">
+                <a:latin typeface="Comic Sans MS" pitchFamily="66" charset="0"/>
+              </a:rPr>
+              <a:t>  </a:t>
+            </a:r>
+            <a:r>
+              <a:rPr lang="en-US" sz="4800" dirty="0" smtClean="0">
+                <a:latin typeface="Comic Sans MS" pitchFamily="66" charset="0"/>
+              </a:rPr>
+              <a:t>+ E</a:t>
             </a:r>
             <a:r>
               <a:rPr lang="en-US" sz="4800" baseline="-25000" dirty="0" smtClean="0">
@@ -5476,6 +6145,66 @@
             </a:r>
             <a:endParaRPr lang="en-US" sz="4800" baseline="-25000" dirty="0">
               <a:latin typeface="Comic Sans MS" pitchFamily="66" charset="0"/>
+            </a:endParaRPr>
+          </a:p>
+        </p:txBody>
+      </p:sp>
+      <p:sp>
+        <p:nvSpPr>
+          <p:cNvPr id="2" name="TextBox 1"/>
+          <p:cNvSpPr txBox="1"/>
+          <p:nvPr/>
+        </p:nvSpPr>
+        <p:spPr>
+          <a:xfrm>
+            <a:off x="696558" y="4876800"/>
+            <a:ext cx="7979428" cy="830997"/>
+          </a:xfrm>
+          <a:prstGeom prst="rect">
+            <a:avLst/>
+          </a:prstGeom>
+          <a:noFill/>
+        </p:spPr>
+        <p:txBody>
+          <a:bodyPr wrap="none" rtlCol="0">
+            <a:spAutoFit/>
+          </a:bodyPr>
+          <a:lstStyle/>
+          <a:p>
+            <a:r>
+              <a:rPr lang="en-CA" sz="2400" b="1" u="sng" dirty="0" smtClean="0"/>
+              <a:t>In a Closed System (i.e. Physics Problem):</a:t>
+            </a:r>
+          </a:p>
+          <a:p>
+            <a:r>
+              <a:rPr lang="en-CA" sz="2400" dirty="0" smtClean="0">
+                <a:solidFill>
+                  <a:srgbClr val="FF0000"/>
+                </a:solidFill>
+              </a:rPr>
+              <a:t>The Total Energy (E</a:t>
+            </a:r>
+            <a:r>
+              <a:rPr lang="en-CA" sz="2400" baseline="-25000" dirty="0" smtClean="0">
+                <a:solidFill>
+                  <a:srgbClr val="FF0000"/>
+                </a:solidFill>
+              </a:rPr>
+              <a:t>T</a:t>
+            </a:r>
+            <a:r>
+              <a:rPr lang="en-CA" sz="2400" dirty="0" smtClean="0">
+                <a:solidFill>
+                  <a:srgbClr val="FF0000"/>
+                </a:solidFill>
+              </a:rPr>
+              <a:t>) is the same at ALL positions in the system</a:t>
+            </a:r>
+            <a:endParaRPr lang="en-US" sz="2400" dirty="0">
+              <a:solidFill>
+                <a:srgbClr val="FF0000"/>
+              </a:solidFill>
             </a:endParaRPr>
           </a:p>
         </p:txBody>
@@ -5637,7 +6366,7 @@
         <p:spPr>
           <a:xfrm>
             <a:off x="928662" y="5857892"/>
-            <a:ext cx="7929618" cy="369332"/>
+            <a:ext cx="7929618" cy="400110"/>
           </a:xfrm>
           <a:prstGeom prst="rect">
             <a:avLst/>
@@ -5651,10 +6380,14 @@
           <a:lstStyle/>
           <a:p>
             <a:r>
-              <a:rPr lang="en-US" dirty="0" smtClean="0"/>
-              <a:t>The SUM of the kinetic energy and potential energy is _______________. </a:t>
-            </a:r>
-            <a:endParaRPr lang="en-US" dirty="0"/>
+              <a:rPr lang="en-US" sz="2000" b="1" dirty="0" smtClean="0"/>
+              <a:t>The SUM of the kinetic energy and potential energy is </a:t>
+            </a:r>
+            <a:r>
+              <a:rPr lang="en-US" sz="2000" b="1" dirty="0" smtClean="0"/>
+              <a:t>_______________. </a:t>
+            </a:r>
+            <a:endParaRPr lang="en-US" sz="2000" b="1" dirty="0"/>
           </a:p>
         </p:txBody>
       </p:sp>
@@ -5818,8 +6551,8 @@
         </p:nvSpPr>
         <p:spPr>
           <a:xfrm>
-            <a:off x="6286512" y="5857892"/>
-            <a:ext cx="1143008" cy="369332"/>
+            <a:off x="7000892" y="5789456"/>
+            <a:ext cx="1304908" cy="461665"/>
           </a:xfrm>
           <a:prstGeom prst="rect">
             <a:avLst/>
@@ -5833,14 +6566,14 @@
           <a:lstStyle/>
           <a:p>
             <a:r>
-              <a:rPr lang="en-US" dirty="0" smtClean="0">
+              <a:rPr lang="en-US" sz="2400" dirty="0" smtClean="0">
                 <a:solidFill>
                   <a:srgbClr val="FF0000"/>
                 </a:solidFill>
               </a:rPr>
               <a:t>constant</a:t>
             </a:r>
-            <a:endParaRPr lang="en-US" dirty="0">
+            <a:endParaRPr lang="en-US" sz="2400" dirty="0">
               <a:solidFill>
                 <a:srgbClr val="FF0000"/>
               </a:solidFill>
@@ -6329,6 +7062,78 @@
           <a:chExt cx="0" cy="0"/>
         </a:xfrm>
       </p:grpSpPr>
+      <p:sp>
+        <p:nvSpPr>
+          <p:cNvPr id="2" name="Title 1"/>
+          <p:cNvSpPr>
+            <a:spLocks noGrp="1"/>
+          </p:cNvSpPr>
+          <p:nvPr>
+            <p:ph type="title"/>
+          </p:nvPr>
+        </p:nvSpPr>
+        <p:spPr/>
+        <p:txBody>
+          <a:bodyPr/>
+          <a:lstStyle/>
+          <a:p>
+            <a:endParaRPr lang="en-US"/>
+          </a:p>
+        </p:txBody>
+      </p:sp>
+      <p:sp>
+        <p:nvSpPr>
+          <p:cNvPr id="3" name="Content Placeholder 2"/>
+          <p:cNvSpPr>
+            <a:spLocks noGrp="1"/>
+          </p:cNvSpPr>
+          <p:nvPr>
+            <p:ph idx="1"/>
+          </p:nvPr>
+        </p:nvSpPr>
+        <p:spPr/>
+        <p:txBody>
+          <a:bodyPr/>
+          <a:lstStyle/>
+          <a:p>
+            <a:r>
+              <a:rPr lang="en-CA" dirty="0" smtClean="0"/>
+              <a:t>Gizmos Energy In A Pendulum</a:t>
+            </a:r>
+            <a:endParaRPr lang="en-US" dirty="0"/>
+          </a:p>
+        </p:txBody>
+      </p:sp>
+    </p:spTree>
+    <p:extLst>
+      <p:ext uri="{BB962C8B-B14F-4D97-AF65-F5344CB8AC3E}">
+        <p14:creationId xmlns:p14="http://schemas.microsoft.com/office/powerpoint/2010/main" val="1196748731"/>
+      </p:ext>
+    </p:extLst>
+  </p:cSld>
+  <p:clrMapOvr>
+    <a:masterClrMapping/>
+  </p:clrMapOvr>
+</p:sld>
+</file>
+
+<file path=ppt/slides/slide7.xml><?xml version="1.0" encoding="utf-8"?>
+<p:sld xmlns:a="http://schemas.openxmlformats.org/drawingml/2006/main" xmlns:r="http://schemas.openxmlformats.org/officeDocument/2006/relationships" xmlns:p="http://schemas.openxmlformats.org/presentationml/2006/main">
+  <p:cSld>
+    <p:spTree>
+      <p:nvGrpSpPr>
+        <p:cNvPr id="1" name=""/>
+        <p:cNvGrpSpPr/>
+        <p:nvPr/>
+      </p:nvGrpSpPr>
+      <p:grpSpPr>
+        <a:xfrm>
+          <a:off x="0" y="0"/>
+          <a:ext cx="0" cy="0"/>
+          <a:chOff x="0" y="0"/>
+          <a:chExt cx="0" cy="0"/>
+        </a:xfrm>
+      </p:grpSpPr>
       <p:pic>
         <p:nvPicPr>
           <p:cNvPr id="2050" name="Picture 2"/>
@@ -7109,74 +7914,6 @@
 </p:sld>
 </file>
 
-<file path=ppt/slides/slide7.xml><?xml version="1.0" encoding="utf-8"?>
-<p:sld xmlns:a="http://schemas.openxmlformats.org/drawingml/2006/main" xmlns:r="http://schemas.openxmlformats.org/officeDocument/2006/relationships" xmlns:p="http://schemas.openxmlformats.org/presentationml/2006/main">
-  <p:cSld>
-    <p:spTree>
-      <p:nvGrpSpPr>
-        <p:cNvPr id="1" name=""/>
-        <p:cNvGrpSpPr/>
-        <p:nvPr/>
-      </p:nvGrpSpPr>
-      <p:grpSpPr>
-        <a:xfrm>
-          <a:off x="0" y="0"/>
-          <a:ext cx="0" cy="0"/>
-          <a:chOff x="0" y="0"/>
-          <a:chExt cx="0" cy="0"/>
-        </a:xfrm>
-      </p:grpSpPr>
-      <p:sp>
-        <p:nvSpPr>
-          <p:cNvPr id="2" name="Title 1"/>
-          <p:cNvSpPr>
-            <a:spLocks noGrp="1"/>
-          </p:cNvSpPr>
-          <p:nvPr>
-            <p:ph type="title"/>
-          </p:nvPr>
-        </p:nvSpPr>
-        <p:spPr/>
-        <p:txBody>
-          <a:bodyPr/>
-          <a:lstStyle/>
-          <a:p>
-            <a:endParaRPr lang="en-US"/>
-          </a:p>
-        </p:txBody>
-      </p:sp>
-      <p:sp>
-        <p:nvSpPr>
-          <p:cNvPr id="3" name="Content Placeholder 2"/>
-          <p:cNvSpPr>
-            <a:spLocks noGrp="1"/>
-          </p:cNvSpPr>
-          <p:nvPr>
-            <p:ph idx="1"/>
-          </p:nvPr>
-        </p:nvSpPr>
-        <p:spPr/>
-        <p:txBody>
-          <a:bodyPr/>
-          <a:lstStyle/>
-          <a:p>
-            <a:endParaRPr lang="en-US"/>
-          </a:p>
-        </p:txBody>
-      </p:sp>
-    </p:spTree>
-    <p:extLst>
-      <p:ext uri="{BB962C8B-B14F-4D97-AF65-F5344CB8AC3E}">
-        <p14:creationId xmlns:p14="http://schemas.microsoft.com/office/powerpoint/2010/main" val="3627123438"/>
-      </p:ext>
-    </p:extLst>
-  </p:cSld>
-  <p:clrMapOvr>
-    <a:masterClrMapping/>
-  </p:clrMapOvr>
-</p:sld>
-</file>
-
 <file path=ppt/slides/slide8.xml><?xml version="1.0" encoding="utf-8"?>
 <p:sld xmlns:a="http://schemas.openxmlformats.org/drawingml/2006/main" xmlns:r="http://schemas.openxmlformats.org/officeDocument/2006/relationships" xmlns:p="http://schemas.openxmlformats.org/presentationml/2006/main">
   <p:cSld>
@@ -7196,6 +7933,74 @@
       </p:grpSpPr>
       <p:sp>
         <p:nvSpPr>
+          <p:cNvPr id="2" name="Title 1"/>
+          <p:cNvSpPr>
+            <a:spLocks noGrp="1"/>
+          </p:cNvSpPr>
+          <p:nvPr>
+            <p:ph type="title"/>
+          </p:nvPr>
+        </p:nvSpPr>
+        <p:spPr/>
+        <p:txBody>
+          <a:bodyPr/>
+          <a:lstStyle/>
+          <a:p>
+            <a:endParaRPr lang="en-US"/>
+          </a:p>
+        </p:txBody>
+      </p:sp>
+      <p:sp>
+        <p:nvSpPr>
+          <p:cNvPr id="3" name="Content Placeholder 2"/>
+          <p:cNvSpPr>
+            <a:spLocks noGrp="1"/>
+          </p:cNvSpPr>
+          <p:nvPr>
+            <p:ph idx="1"/>
+          </p:nvPr>
+        </p:nvSpPr>
+        <p:spPr/>
+        <p:txBody>
+          <a:bodyPr/>
+          <a:lstStyle/>
+          <a:p>
+            <a:endParaRPr lang="en-US"/>
+          </a:p>
+        </p:txBody>
+      </p:sp>
+    </p:spTree>
+    <p:extLst>
+      <p:ext uri="{BB962C8B-B14F-4D97-AF65-F5344CB8AC3E}">
+        <p14:creationId xmlns:p14="http://schemas.microsoft.com/office/powerpoint/2010/main" val="3627123438"/>
+      </p:ext>
+    </p:extLst>
+  </p:cSld>
+  <p:clrMapOvr>
+    <a:masterClrMapping/>
+  </p:clrMapOvr>
+</p:sld>
+</file>
+
+<file path=ppt/slides/slide9.xml><?xml version="1.0" encoding="utf-8"?>
+<p:sld xmlns:a="http://schemas.openxmlformats.org/drawingml/2006/main" xmlns:r="http://schemas.openxmlformats.org/officeDocument/2006/relationships" xmlns:p="http://schemas.openxmlformats.org/presentationml/2006/main">
+  <p:cSld>
+    <p:spTree>
+      <p:nvGrpSpPr>
+        <p:cNvPr id="1" name=""/>
+        <p:cNvGrpSpPr/>
+        <p:nvPr/>
+      </p:nvGrpSpPr>
+      <p:grpSpPr>
+        <a:xfrm>
+          <a:off x="0" y="0"/>
+          <a:ext cx="0" cy="0"/>
+          <a:chOff x="0" y="0"/>
+          <a:chExt cx="0" cy="0"/>
+        </a:xfrm>
+      </p:grpSpPr>
+      <p:sp>
+        <p:nvSpPr>
           <p:cNvPr id="4" name="Title 3"/>
           <p:cNvSpPr>
             <a:spLocks noGrp="1"/>
@@ -7211,11 +8016,7 @@
           <a:p>
             <a:r>
               <a:rPr lang="en-CA" dirty="0" smtClean="0"/>
-              <a:t>Conservation </a:t>
-            </a:r>
-            <a:r>
-              <a:rPr lang="en-CA" dirty="0" smtClean="0"/>
-              <a:t>Sample #1</a:t>
+              <a:t>Conservation Sample #1</a:t>
             </a:r>
             <a:endParaRPr lang="en-US" dirty="0"/>
           </a:p>
@@ -7329,42 +8130,42 @@
                 <a:gridCol w="1060584">
                   <a:extLst>
                     <a:ext uri="{9D8B030D-6E8A-4147-A177-3AD203B41FA5}">
-                      <a16:colId xmlns:a16="http://schemas.microsoft.com/office/drawing/2014/main" val="20000"/>
+                      <a16:colId xmlns:a16="http://schemas.microsoft.com/office/drawing/2014/main" xmlns="" val="20000"/>
                     </a:ext>
                   </a:extLst>
                 </a:gridCol>
                 <a:gridCol w="1463866">
                   <a:extLst>
                     <a:ext uri="{9D8B030D-6E8A-4147-A177-3AD203B41FA5}">
-                      <a16:colId xmlns:a16="http://schemas.microsoft.com/office/drawing/2014/main" val="20001"/>
+                      <a16:colId xmlns:a16="http://schemas.microsoft.com/office/drawing/2014/main" xmlns="" val="20001"/>
                     </a:ext>
                   </a:extLst>
                 </a:gridCol>
                 <a:gridCol w="1262225">
                   <a:extLst>
                     <a:ext uri="{9D8B030D-6E8A-4147-A177-3AD203B41FA5}">
-                      <a16:colId xmlns:a16="http://schemas.microsoft.com/office/drawing/2014/main" val="20002"/>
+                      <a16:colId xmlns:a16="http://schemas.microsoft.com/office/drawing/2014/main" xmlns="" val="20002"/>
                     </a:ext>
                   </a:extLst>
                 </a:gridCol>
                 <a:gridCol w="1262225">
                   <a:extLst>
                     <a:ext uri="{9D8B030D-6E8A-4147-A177-3AD203B41FA5}">
-                      <a16:colId xmlns:a16="http://schemas.microsoft.com/office/drawing/2014/main" val="20003"/>
+                      <a16:colId xmlns:a16="http://schemas.microsoft.com/office/drawing/2014/main" xmlns="" val="20003"/>
                     </a:ext>
                   </a:extLst>
                 </a:gridCol>
                 <a:gridCol w="1262225">
                   <a:extLst>
                     <a:ext uri="{9D8B030D-6E8A-4147-A177-3AD203B41FA5}">
-                      <a16:colId xmlns:a16="http://schemas.microsoft.com/office/drawing/2014/main" val="20004"/>
+                      <a16:colId xmlns:a16="http://schemas.microsoft.com/office/drawing/2014/main" xmlns="" val="20004"/>
                     </a:ext>
                   </a:extLst>
                 </a:gridCol>
                 <a:gridCol w="1262225">
                   <a:extLst>
                     <a:ext uri="{9D8B030D-6E8A-4147-A177-3AD203B41FA5}">
-                      <a16:colId xmlns:a16="http://schemas.microsoft.com/office/drawing/2014/main" val="20005"/>
+                      <a16:colId xmlns:a16="http://schemas.microsoft.com/office/drawing/2014/main" xmlns="" val="20005"/>
                     </a:ext>
                   </a:extLst>
                 </a:gridCol>
@@ -7515,7 +8316,7 @@
                 </a:tc>
                 <a:extLst>
                   <a:ext uri="{0D108BD9-81ED-4DB2-BD59-A6C34878D82A}">
-                    <a16:rowId xmlns:a16="http://schemas.microsoft.com/office/drawing/2014/main" val="10000"/>
+                    <a16:rowId xmlns:a16="http://schemas.microsoft.com/office/drawing/2014/main" xmlns="" val="10000"/>
                   </a:ext>
                 </a:extLst>
               </a:tr>
@@ -7592,7 +8393,7 @@
                 </a:tc>
                 <a:extLst>
                   <a:ext uri="{0D108BD9-81ED-4DB2-BD59-A6C34878D82A}">
-                    <a16:rowId xmlns:a16="http://schemas.microsoft.com/office/drawing/2014/main" val="10001"/>
+                    <a16:rowId xmlns:a16="http://schemas.microsoft.com/office/drawing/2014/main" xmlns="" val="10001"/>
                   </a:ext>
                 </a:extLst>
               </a:tr>
@@ -7669,7 +8470,7 @@
                 </a:tc>
                 <a:extLst>
                   <a:ext uri="{0D108BD9-81ED-4DB2-BD59-A6C34878D82A}">
-                    <a16:rowId xmlns:a16="http://schemas.microsoft.com/office/drawing/2014/main" val="10002"/>
+                    <a16:rowId xmlns:a16="http://schemas.microsoft.com/office/drawing/2014/main" xmlns="" val="10002"/>
                   </a:ext>
                 </a:extLst>
               </a:tr>
@@ -7746,7 +8547,7 @@
                 </a:tc>
                 <a:extLst>
                   <a:ext uri="{0D108BD9-81ED-4DB2-BD59-A6C34878D82A}">
-                    <a16:rowId xmlns:a16="http://schemas.microsoft.com/office/drawing/2014/main" val="10003"/>
+                    <a16:rowId xmlns:a16="http://schemas.microsoft.com/office/drawing/2014/main" xmlns="" val="10003"/>
                   </a:ext>
                 </a:extLst>
               </a:tr>
@@ -7758,646 +8559,6 @@
     <p:extLst>
       <p:ext uri="{BB962C8B-B14F-4D97-AF65-F5344CB8AC3E}">
         <p14:creationId xmlns:p14="http://schemas.microsoft.com/office/powerpoint/2010/main" val="1905696387"/>
-      </p:ext>
-    </p:extLst>
-  </p:cSld>
-  <p:clrMapOvr>
-    <a:masterClrMapping/>
-  </p:clrMapOvr>
-</p:sld>
-</file>
-
-<file path=ppt/slides/slide9.xml><?xml version="1.0" encoding="utf-8"?>
-<p:sld xmlns:a="http://schemas.openxmlformats.org/drawingml/2006/main" xmlns:r="http://schemas.openxmlformats.org/officeDocument/2006/relationships" xmlns:p="http://schemas.openxmlformats.org/presentationml/2006/main">
-  <p:cSld>
-    <p:spTree>
-      <p:nvGrpSpPr>
-        <p:cNvPr id="1" name=""/>
-        <p:cNvGrpSpPr/>
-        <p:nvPr/>
-      </p:nvGrpSpPr>
-      <p:grpSpPr>
-        <a:xfrm>
-          <a:off x="0" y="0"/>
-          <a:ext cx="0" cy="0"/>
-          <a:chOff x="0" y="0"/>
-          <a:chExt cx="0" cy="0"/>
-        </a:xfrm>
-      </p:grpSpPr>
-      <p:sp>
-        <p:nvSpPr>
-          <p:cNvPr id="4" name="Title 3"/>
-          <p:cNvSpPr>
-            <a:spLocks noGrp="1"/>
-          </p:cNvSpPr>
-          <p:nvPr>
-            <p:ph type="title"/>
-          </p:nvPr>
-        </p:nvSpPr>
-        <p:spPr/>
-        <p:txBody>
-          <a:bodyPr/>
-          <a:lstStyle/>
-          <a:p>
-            <a:r>
-              <a:rPr lang="en-CA" dirty="0"/>
-              <a:t>Conservation Sample </a:t>
-            </a:r>
-            <a:r>
-              <a:rPr lang="en-CA" dirty="0" smtClean="0"/>
-              <a:t>#2</a:t>
-            </a:r>
-            <a:endParaRPr lang="en-US" dirty="0"/>
-          </a:p>
-        </p:txBody>
-      </p:sp>
-      <p:sp>
-        <p:nvSpPr>
-          <p:cNvPr id="5" name="Content Placeholder 4"/>
-          <p:cNvSpPr>
-            <a:spLocks noGrp="1"/>
-          </p:cNvSpPr>
-          <p:nvPr>
-            <p:ph idx="1"/>
-          </p:nvPr>
-        </p:nvSpPr>
-        <p:spPr>
-          <a:xfrm>
-            <a:off x="628650" y="1536376"/>
-            <a:ext cx="7886700" cy="1990595"/>
-          </a:xfrm>
-        </p:spPr>
-        <p:txBody>
-          <a:bodyPr>
-            <a:noAutofit/>
-          </a:bodyPr>
-          <a:lstStyle/>
-          <a:p>
-            <a:pPr marL="0" indent="0">
-              <a:buNone/>
-            </a:pPr>
-            <a:r>
-              <a:rPr lang="en-US" sz="1600" dirty="0">
-                <a:latin typeface="Calibri" panose="020F0502020204030204" pitchFamily="34" charset="0"/>
-                <a:cs typeface="Calibri" panose="020F0502020204030204" pitchFamily="34" charset="0"/>
-              </a:rPr>
-              <a:t>Problem:  A 0.550 kg ball is thrown down from a cliff 30.0 m high with a speed of 5.00 m/s.  Assume air resistance is </a:t>
-            </a:r>
-            <a:r>
-              <a:rPr lang="en-US" sz="1600" dirty="0" smtClean="0">
-                <a:latin typeface="Calibri" panose="020F0502020204030204" pitchFamily="34" charset="0"/>
-                <a:cs typeface="Calibri" panose="020F0502020204030204" pitchFamily="34" charset="0"/>
-              </a:rPr>
-              <a:t>negligible.</a:t>
-            </a:r>
-          </a:p>
-          <a:p>
-            <a:pPr marL="342900" indent="-342900">
-              <a:buFont typeface="+mj-lt"/>
-              <a:buAutoNum type="alphaLcParenR"/>
-            </a:pPr>
-            <a:r>
-              <a:rPr lang="en-US" sz="1600" dirty="0" smtClean="0">
-                <a:latin typeface="Calibri" panose="020F0502020204030204" pitchFamily="34" charset="0"/>
-                <a:cs typeface="Calibri" panose="020F0502020204030204" pitchFamily="34" charset="0"/>
-              </a:rPr>
-              <a:t>The </a:t>
-            </a:r>
-            <a:r>
-              <a:rPr lang="en-US" sz="1600" dirty="0">
-                <a:latin typeface="Calibri" panose="020F0502020204030204" pitchFamily="34" charset="0"/>
-                <a:cs typeface="Calibri" panose="020F0502020204030204" pitchFamily="34" charset="0"/>
-              </a:rPr>
-              <a:t>ball’s initial kinetic, gravitational potential and </a:t>
-            </a:r>
-            <a:r>
-              <a:rPr lang="en-US" sz="1600" dirty="0" smtClean="0">
-                <a:latin typeface="Calibri" panose="020F0502020204030204" pitchFamily="34" charset="0"/>
-                <a:cs typeface="Calibri" panose="020F0502020204030204" pitchFamily="34" charset="0"/>
-              </a:rPr>
-              <a:t>total mechanical energy.</a:t>
-            </a:r>
-          </a:p>
-          <a:p>
-            <a:pPr marL="342900" indent="-342900">
-              <a:buFont typeface="+mj-lt"/>
-              <a:buAutoNum type="alphaLcParenR"/>
-            </a:pPr>
-            <a:r>
-              <a:rPr lang="en-US" sz="1600" dirty="0" smtClean="0">
-                <a:latin typeface="Calibri" panose="020F0502020204030204" pitchFamily="34" charset="0"/>
-                <a:cs typeface="Calibri" panose="020F0502020204030204" pitchFamily="34" charset="0"/>
-              </a:rPr>
-              <a:t>Find </a:t>
-            </a:r>
-            <a:r>
-              <a:rPr lang="en-US" sz="1600" dirty="0">
-                <a:latin typeface="Calibri" panose="020F0502020204030204" pitchFamily="34" charset="0"/>
-                <a:cs typeface="Calibri" panose="020F0502020204030204" pitchFamily="34" charset="0"/>
-              </a:rPr>
-              <a:t>the ball’s potential energy at a height of 10.0 m </a:t>
-            </a:r>
-            <a:r>
-              <a:rPr lang="en-US" sz="1600" dirty="0" smtClean="0">
-                <a:latin typeface="Calibri" panose="020F0502020204030204" pitchFamily="34" charset="0"/>
-                <a:cs typeface="Calibri" panose="020F0502020204030204" pitchFamily="34" charset="0"/>
-              </a:rPr>
-              <a:t>above </a:t>
-            </a:r>
-            <a:r>
-              <a:rPr lang="en-US" sz="1600" dirty="0">
-                <a:latin typeface="Calibri" panose="020F0502020204030204" pitchFamily="34" charset="0"/>
-                <a:cs typeface="Calibri" panose="020F0502020204030204" pitchFamily="34" charset="0"/>
-              </a:rPr>
-              <a:t>the ground and it’s kinetic energy at that </a:t>
-            </a:r>
-            <a:r>
-              <a:rPr lang="en-US" sz="1600" dirty="0" smtClean="0">
-                <a:latin typeface="Calibri" panose="020F0502020204030204" pitchFamily="34" charset="0"/>
-                <a:cs typeface="Calibri" panose="020F0502020204030204" pitchFamily="34" charset="0"/>
-              </a:rPr>
-              <a:t>height.</a:t>
-            </a:r>
-          </a:p>
-          <a:p>
-            <a:pPr marL="342900" indent="-342900">
-              <a:buFont typeface="+mj-lt"/>
-              <a:buAutoNum type="alphaLcParenR"/>
-            </a:pPr>
-            <a:r>
-              <a:rPr lang="en-US" sz="1600" dirty="0" smtClean="0">
-                <a:latin typeface="Calibri" panose="020F0502020204030204" pitchFamily="34" charset="0"/>
-                <a:cs typeface="Calibri" panose="020F0502020204030204" pitchFamily="34" charset="0"/>
-              </a:rPr>
-              <a:t>Find </a:t>
-            </a:r>
-            <a:r>
-              <a:rPr lang="en-US" sz="1600" dirty="0">
-                <a:latin typeface="Calibri" panose="020F0502020204030204" pitchFamily="34" charset="0"/>
-                <a:cs typeface="Calibri" panose="020F0502020204030204" pitchFamily="34" charset="0"/>
-              </a:rPr>
-              <a:t>the ball’s speed just before it hits the ground. </a:t>
-            </a:r>
-            <a:endParaRPr lang="en-US" sz="1600" dirty="0">
-              <a:latin typeface="Calibri" panose="020F0502020204030204" pitchFamily="34" charset="0"/>
-              <a:cs typeface="Calibri" panose="020F0502020204030204" pitchFamily="34" charset="0"/>
-            </a:endParaRPr>
-          </a:p>
-        </p:txBody>
-      </p:sp>
-      <p:graphicFrame>
-        <p:nvGraphicFramePr>
-          <p:cNvPr id="6" name="Table 5"/>
-          <p:cNvGraphicFramePr>
-            <a:graphicFrameLocks noGrp="1"/>
-          </p:cNvGraphicFramePr>
-          <p:nvPr>
-            <p:extLst/>
-          </p:nvPr>
-        </p:nvGraphicFramePr>
-        <p:xfrm>
-          <a:off x="942000" y="3673670"/>
-          <a:ext cx="7573350" cy="2607832"/>
-        </p:xfrm>
-        <a:graphic>
-          <a:graphicData uri="http://schemas.openxmlformats.org/drawingml/2006/table">
-            <a:tbl>
-              <a:tblPr firstRow="1" bandRow="1">
-                <a:tableStyleId>{5940675A-B579-460E-94D1-54222C63F5DA}</a:tableStyleId>
-              </a:tblPr>
-              <a:tblGrid>
-                <a:gridCol w="1060584">
-                  <a:extLst>
-                    <a:ext uri="{9D8B030D-6E8A-4147-A177-3AD203B41FA5}">
-                      <a16:colId xmlns:a16="http://schemas.microsoft.com/office/drawing/2014/main" val="20000"/>
-                    </a:ext>
-                  </a:extLst>
-                </a:gridCol>
-                <a:gridCol w="1463866">
-                  <a:extLst>
-                    <a:ext uri="{9D8B030D-6E8A-4147-A177-3AD203B41FA5}">
-                      <a16:colId xmlns:a16="http://schemas.microsoft.com/office/drawing/2014/main" val="20001"/>
-                    </a:ext>
-                  </a:extLst>
-                </a:gridCol>
-                <a:gridCol w="1262225">
-                  <a:extLst>
-                    <a:ext uri="{9D8B030D-6E8A-4147-A177-3AD203B41FA5}">
-                      <a16:colId xmlns:a16="http://schemas.microsoft.com/office/drawing/2014/main" val="20002"/>
-                    </a:ext>
-                  </a:extLst>
-                </a:gridCol>
-                <a:gridCol w="1262225">
-                  <a:extLst>
-                    <a:ext uri="{9D8B030D-6E8A-4147-A177-3AD203B41FA5}">
-                      <a16:colId xmlns:a16="http://schemas.microsoft.com/office/drawing/2014/main" val="20003"/>
-                    </a:ext>
-                  </a:extLst>
-                </a:gridCol>
-                <a:gridCol w="1262225">
-                  <a:extLst>
-                    <a:ext uri="{9D8B030D-6E8A-4147-A177-3AD203B41FA5}">
-                      <a16:colId xmlns:a16="http://schemas.microsoft.com/office/drawing/2014/main" val="20004"/>
-                    </a:ext>
-                  </a:extLst>
-                </a:gridCol>
-                <a:gridCol w="1262225">
-                  <a:extLst>
-                    <a:ext uri="{9D8B030D-6E8A-4147-A177-3AD203B41FA5}">
-                      <a16:colId xmlns:a16="http://schemas.microsoft.com/office/drawing/2014/main" val="20005"/>
-                    </a:ext>
-                  </a:extLst>
-                </a:gridCol>
-              </a:tblGrid>
-              <a:tr h="515775">
-                <a:tc>
-                  <a:txBody>
-                    <a:bodyPr/>
-                    <a:lstStyle/>
-                    <a:p>
-                      <a:pPr algn="ctr"/>
-                      <a:r>
-                        <a:rPr lang="en-CA" sz="1400" b="1" dirty="0" smtClean="0"/>
-                        <a:t>Position</a:t>
-                      </a:r>
-                      <a:endParaRPr lang="en-US" sz="1400" b="1" dirty="0"/>
-                    </a:p>
-                  </a:txBody>
-                  <a:tcPr/>
-                </a:tc>
-                <a:tc>
-                  <a:txBody>
-                    <a:bodyPr/>
-                    <a:lstStyle/>
-                    <a:p>
-                      <a:pPr algn="ctr"/>
-                      <a:r>
-                        <a:rPr lang="en-CA" sz="1400" b="1" dirty="0" smtClean="0"/>
-                        <a:t>H - Height</a:t>
-                      </a:r>
-                      <a:endParaRPr lang="en-US" sz="1400" b="1" dirty="0"/>
-                    </a:p>
-                  </a:txBody>
-                  <a:tcPr/>
-                </a:tc>
-                <a:tc>
-                  <a:txBody>
-                    <a:bodyPr/>
-                    <a:lstStyle/>
-                    <a:p>
-                      <a:pPr algn="ctr"/>
-                      <a:r>
-                        <a:rPr lang="en-CA" sz="1400" b="1" dirty="0" smtClean="0"/>
-                        <a:t>E</a:t>
-                      </a:r>
-                      <a:r>
-                        <a:rPr lang="en-CA" sz="1400" b="1" baseline="-25000" dirty="0" smtClean="0"/>
-                        <a:t>G</a:t>
-                      </a:r>
-                    </a:p>
-                    <a:p>
-                      <a:pPr algn="ctr"/>
-                      <a:r>
-                        <a:rPr lang="en-CA" sz="1400" b="1" dirty="0" smtClean="0"/>
-                        <a:t>(</a:t>
-                      </a:r>
-                      <a:r>
-                        <a:rPr lang="en-CA" sz="1400" b="1" dirty="0" err="1" smtClean="0"/>
-                        <a:t>mgh</a:t>
-                      </a:r>
-                      <a:r>
-                        <a:rPr lang="en-CA" sz="1400" b="1" dirty="0" smtClean="0"/>
-                        <a:t>)</a:t>
-                      </a:r>
-                      <a:endParaRPr lang="en-US" sz="1400" b="1" dirty="0"/>
-                    </a:p>
-                  </a:txBody>
-                  <a:tcPr/>
-                </a:tc>
-                <a:tc>
-                  <a:txBody>
-                    <a:bodyPr/>
-                    <a:lstStyle/>
-                    <a:p>
-                      <a:pPr algn="ctr"/>
-                      <a:r>
-                        <a:rPr lang="en-CA" sz="1400" b="1" dirty="0" smtClean="0"/>
-                        <a:t>V - Speed</a:t>
-                      </a:r>
-                      <a:endParaRPr lang="en-US" sz="1400" b="1" dirty="0"/>
-                    </a:p>
-                  </a:txBody>
-                  <a:tcPr/>
-                </a:tc>
-                <a:tc>
-                  <a:txBody>
-                    <a:bodyPr/>
-                    <a:lstStyle/>
-                    <a:p>
-                      <a:pPr algn="ctr"/>
-                      <a:r>
-                        <a:rPr lang="en-CA" sz="1400" b="1" dirty="0" smtClean="0"/>
-                        <a:t>E</a:t>
-                      </a:r>
-                      <a:r>
-                        <a:rPr lang="en-CA" sz="1400" b="1" baseline="-25000" dirty="0" smtClean="0"/>
-                        <a:t>K</a:t>
-                      </a:r>
-                    </a:p>
-                    <a:p>
-                      <a:pPr algn="ctr"/>
-                      <a:r>
-                        <a:rPr lang="en-CA" sz="1400" b="1" dirty="0" smtClean="0"/>
-                        <a:t>(1/2mv</a:t>
-                      </a:r>
-                      <a:r>
-                        <a:rPr lang="en-CA" sz="1400" b="1" baseline="30000" dirty="0" smtClean="0"/>
-                        <a:t>2</a:t>
-                      </a:r>
-                      <a:r>
-                        <a:rPr lang="en-CA" sz="1400" b="1" dirty="0" smtClean="0"/>
-                        <a:t>)</a:t>
-                      </a:r>
-                      <a:endParaRPr lang="en-US" sz="1400" b="1" dirty="0"/>
-                    </a:p>
-                  </a:txBody>
-                  <a:tcPr/>
-                </a:tc>
-                <a:tc>
-                  <a:txBody>
-                    <a:bodyPr/>
-                    <a:lstStyle/>
-                    <a:p>
-                      <a:pPr algn="ctr"/>
-                      <a:r>
-                        <a:rPr lang="en-CA" sz="1400" b="1" dirty="0" smtClean="0"/>
-                        <a:t>E</a:t>
-                      </a:r>
-                      <a:r>
-                        <a:rPr lang="en-CA" sz="1400" b="1" baseline="-25000" dirty="0" smtClean="0"/>
-                        <a:t>T </a:t>
-                      </a:r>
-                      <a:r>
-                        <a:rPr lang="en-CA" sz="1400" b="1" dirty="0" smtClean="0"/>
-                        <a:t/>
-                      </a:r>
-                      <a:br>
-                        <a:rPr lang="en-CA" sz="1400" b="1" dirty="0" smtClean="0"/>
-                      </a:br>
-                      <a:r>
-                        <a:rPr lang="en-CA" sz="1400" b="1" dirty="0" smtClean="0"/>
-                        <a:t>(Total Energy)</a:t>
-                      </a:r>
-                      <a:endParaRPr lang="en-US" sz="1400" b="1" dirty="0"/>
-                    </a:p>
-                  </a:txBody>
-                  <a:tcPr/>
-                </a:tc>
-                <a:extLst>
-                  <a:ext uri="{0D108BD9-81ED-4DB2-BD59-A6C34878D82A}">
-                    <a16:rowId xmlns:a16="http://schemas.microsoft.com/office/drawing/2014/main" val="10000"/>
-                  </a:ext>
-                </a:extLst>
-              </a:tr>
-              <a:tr h="678750">
-                <a:tc>
-                  <a:txBody>
-                    <a:bodyPr/>
-                    <a:lstStyle/>
-                    <a:p>
-                      <a:pPr algn="ctr"/>
-                      <a:r>
-                        <a:rPr lang="en-CA" sz="1400" dirty="0" smtClean="0"/>
-                        <a:t>Top</a:t>
-                      </a:r>
-                      <a:endParaRPr lang="en-US" sz="1400" dirty="0"/>
-                    </a:p>
-                  </a:txBody>
-                  <a:tcPr/>
-                </a:tc>
-                <a:tc>
-                  <a:txBody>
-                    <a:bodyPr/>
-                    <a:lstStyle/>
-                    <a:p>
-                      <a:pPr algn="ctr"/>
-                      <a:endParaRPr lang="en-US" sz="1400" dirty="0"/>
-                    </a:p>
-                  </a:txBody>
-                  <a:tcPr/>
-                </a:tc>
-                <a:tc>
-                  <a:txBody>
-                    <a:bodyPr/>
-                    <a:lstStyle/>
-                    <a:p>
-                      <a:pPr algn="ctr"/>
-                      <a:endParaRPr lang="en-US" sz="1400" dirty="0"/>
-                    </a:p>
-                  </a:txBody>
-                  <a:tcPr/>
-                </a:tc>
-                <a:tc>
-                  <a:txBody>
-                    <a:bodyPr/>
-                    <a:lstStyle/>
-                    <a:p>
-                      <a:pPr algn="ctr"/>
-                      <a:endParaRPr lang="en-US" sz="1400" dirty="0"/>
-                    </a:p>
-                  </a:txBody>
-                  <a:tcPr/>
-                </a:tc>
-                <a:tc>
-                  <a:txBody>
-                    <a:bodyPr/>
-                    <a:lstStyle/>
-                    <a:p>
-                      <a:pPr algn="ctr"/>
-                      <a:endParaRPr lang="en-US" sz="1400" dirty="0"/>
-                    </a:p>
-                  </a:txBody>
-                  <a:tcPr/>
-                </a:tc>
-                <a:tc>
-                  <a:txBody>
-                    <a:bodyPr/>
-                    <a:lstStyle/>
-                    <a:p>
-                      <a:pPr algn="ctr"/>
-                      <a:endParaRPr lang="en-US" sz="1400" dirty="0"/>
-                    </a:p>
-                  </a:txBody>
-                  <a:tcPr/>
-                </a:tc>
-                <a:extLst>
-                  <a:ext uri="{0D108BD9-81ED-4DB2-BD59-A6C34878D82A}">
-                    <a16:rowId xmlns:a16="http://schemas.microsoft.com/office/drawing/2014/main" val="10001"/>
-                  </a:ext>
-                </a:extLst>
-              </a:tr>
-              <a:tr h="705461">
-                <a:tc>
-                  <a:txBody>
-                    <a:bodyPr/>
-                    <a:lstStyle/>
-                    <a:p>
-                      <a:pPr algn="ctr"/>
-                      <a:r>
-                        <a:rPr lang="en-CA" sz="1400" dirty="0" smtClean="0"/>
-                        <a:t>Middle</a:t>
-                      </a:r>
-                      <a:endParaRPr lang="en-US" sz="1400" dirty="0"/>
-                    </a:p>
-                  </a:txBody>
-                  <a:tcPr/>
-                </a:tc>
-                <a:tc>
-                  <a:txBody>
-                    <a:bodyPr/>
-                    <a:lstStyle/>
-                    <a:p>
-                      <a:pPr algn="ctr"/>
-                      <a:endParaRPr lang="en-US" sz="1400"/>
-                    </a:p>
-                  </a:txBody>
-                  <a:tcPr/>
-                </a:tc>
-                <a:tc>
-                  <a:txBody>
-                    <a:bodyPr/>
-                    <a:lstStyle/>
-                    <a:p>
-                      <a:pPr algn="ctr"/>
-                      <a:endParaRPr lang="en-US" sz="1400"/>
-                    </a:p>
-                  </a:txBody>
-                  <a:tcPr/>
-                </a:tc>
-                <a:tc>
-                  <a:txBody>
-                    <a:bodyPr/>
-                    <a:lstStyle/>
-                    <a:p>
-                      <a:pPr algn="ctr"/>
-                      <a:endParaRPr lang="en-US" sz="1400" dirty="0"/>
-                    </a:p>
-                  </a:txBody>
-                  <a:tcPr/>
-                </a:tc>
-                <a:tc>
-                  <a:txBody>
-                    <a:bodyPr/>
-                    <a:lstStyle/>
-                    <a:p>
-                      <a:pPr algn="ctr"/>
-                      <a:endParaRPr lang="en-US" sz="1400" dirty="0"/>
-                    </a:p>
-                  </a:txBody>
-                  <a:tcPr/>
-                </a:tc>
-                <a:tc>
-                  <a:txBody>
-                    <a:bodyPr/>
-                    <a:lstStyle/>
-                    <a:p>
-                      <a:pPr algn="ctr"/>
-                      <a:endParaRPr lang="en-US" sz="1400" dirty="0"/>
-                    </a:p>
-                  </a:txBody>
-                  <a:tcPr/>
-                </a:tc>
-                <a:extLst>
-                  <a:ext uri="{0D108BD9-81ED-4DB2-BD59-A6C34878D82A}">
-                    <a16:rowId xmlns:a16="http://schemas.microsoft.com/office/drawing/2014/main" val="10002"/>
-                  </a:ext>
-                </a:extLst>
-              </a:tr>
-              <a:tr h="705461">
-                <a:tc>
-                  <a:txBody>
-                    <a:bodyPr/>
-                    <a:lstStyle/>
-                    <a:p>
-                      <a:pPr algn="ctr"/>
-                      <a:r>
-                        <a:rPr lang="en-CA" sz="1400" dirty="0" smtClean="0"/>
-                        <a:t>Bottom</a:t>
-                      </a:r>
-                      <a:endParaRPr lang="en-US" sz="1400" dirty="0"/>
-                    </a:p>
-                  </a:txBody>
-                  <a:tcPr/>
-                </a:tc>
-                <a:tc>
-                  <a:txBody>
-                    <a:bodyPr/>
-                    <a:lstStyle/>
-                    <a:p>
-                      <a:pPr algn="ctr"/>
-                      <a:endParaRPr lang="en-US" sz="1400"/>
-                    </a:p>
-                  </a:txBody>
-                  <a:tcPr/>
-                </a:tc>
-                <a:tc>
-                  <a:txBody>
-                    <a:bodyPr/>
-                    <a:lstStyle/>
-                    <a:p>
-                      <a:pPr algn="ctr"/>
-                      <a:endParaRPr lang="en-US" sz="1400"/>
-                    </a:p>
-                  </a:txBody>
-                  <a:tcPr/>
-                </a:tc>
-                <a:tc>
-                  <a:txBody>
-                    <a:bodyPr/>
-                    <a:lstStyle/>
-                    <a:p>
-                      <a:pPr algn="ctr"/>
-                      <a:endParaRPr lang="en-US" sz="1400" dirty="0"/>
-                    </a:p>
-                  </a:txBody>
-                  <a:tcPr/>
-                </a:tc>
-                <a:tc>
-                  <a:txBody>
-                    <a:bodyPr/>
-                    <a:lstStyle/>
-                    <a:p>
-                      <a:pPr algn="ctr"/>
-                      <a:endParaRPr lang="en-US" sz="1400" dirty="0"/>
-                    </a:p>
-                  </a:txBody>
-                  <a:tcPr/>
-                </a:tc>
-                <a:tc>
-                  <a:txBody>
-                    <a:bodyPr/>
-                    <a:lstStyle/>
-                    <a:p>
-                      <a:pPr algn="ctr"/>
-                      <a:endParaRPr lang="en-US" sz="1400" dirty="0"/>
-                    </a:p>
-                  </a:txBody>
-                  <a:tcPr/>
-                </a:tc>
-                <a:extLst>
-                  <a:ext uri="{0D108BD9-81ED-4DB2-BD59-A6C34878D82A}">
-                    <a16:rowId xmlns:a16="http://schemas.microsoft.com/office/drawing/2014/main" val="10003"/>
-                  </a:ext>
-                </a:extLst>
-              </a:tr>
-            </a:tbl>
-          </a:graphicData>
-        </a:graphic>
-      </p:graphicFrame>
-    </p:spTree>
-    <p:extLst>
-      <p:ext uri="{BB962C8B-B14F-4D97-AF65-F5344CB8AC3E}">
-        <p14:creationId xmlns:p14="http://schemas.microsoft.com/office/powerpoint/2010/main" val="3146221149"/>
       </p:ext>
     </p:extLst>
   </p:cSld>
